--- a/docs/CS_WKSP_ST02.pptx
+++ b/docs/CS_WKSP_ST02.pptx
@@ -12171,7 +12171,7 @@
           <a:p>
             <a:fld id="{C238C0FF-0819-EC43-9CF4-E149C4586611}" type="datetimeFigureOut">
               <a:rPr lang="en-US" smtClean="0"/>
-              <a:t>2/3/21</a:t>
+              <a:t>2/24/21</a:t>
             </a:fld>
             <a:endParaRPr lang="en-US"/>
           </a:p>
@@ -12369,7 +12369,7 @@
           <a:p>
             <a:fld id="{C238C0FF-0819-EC43-9CF4-E149C4586611}" type="datetimeFigureOut">
               <a:rPr lang="en-US" smtClean="0"/>
-              <a:t>2/3/21</a:t>
+              <a:t>2/24/21</a:t>
             </a:fld>
             <a:endParaRPr lang="en-US"/>
           </a:p>
@@ -12577,7 +12577,7 @@
           <a:p>
             <a:fld id="{C238C0FF-0819-EC43-9CF4-E149C4586611}" type="datetimeFigureOut">
               <a:rPr lang="en-US" smtClean="0"/>
-              <a:t>2/3/21</a:t>
+              <a:t>2/24/21</a:t>
             </a:fld>
             <a:endParaRPr lang="en-US"/>
           </a:p>
@@ -12775,7 +12775,7 @@
           <a:p>
             <a:fld id="{C238C0FF-0819-EC43-9CF4-E149C4586611}" type="datetimeFigureOut">
               <a:rPr lang="en-US" smtClean="0"/>
-              <a:t>2/3/21</a:t>
+              <a:t>2/24/21</a:t>
             </a:fld>
             <a:endParaRPr lang="en-US"/>
           </a:p>
@@ -13050,7 +13050,7 @@
           <a:p>
             <a:fld id="{C238C0FF-0819-EC43-9CF4-E149C4586611}" type="datetimeFigureOut">
               <a:rPr lang="en-US" smtClean="0"/>
-              <a:t>2/3/21</a:t>
+              <a:t>2/24/21</a:t>
             </a:fld>
             <a:endParaRPr lang="en-US"/>
           </a:p>
@@ -13315,7 +13315,7 @@
           <a:p>
             <a:fld id="{C238C0FF-0819-EC43-9CF4-E149C4586611}" type="datetimeFigureOut">
               <a:rPr lang="en-US" smtClean="0"/>
-              <a:t>2/3/21</a:t>
+              <a:t>2/24/21</a:t>
             </a:fld>
             <a:endParaRPr lang="en-US"/>
           </a:p>
@@ -13727,7 +13727,7 @@
           <a:p>
             <a:fld id="{C238C0FF-0819-EC43-9CF4-E149C4586611}" type="datetimeFigureOut">
               <a:rPr lang="en-US" smtClean="0"/>
-              <a:t>2/3/21</a:t>
+              <a:t>2/24/21</a:t>
             </a:fld>
             <a:endParaRPr lang="en-US"/>
           </a:p>
@@ -13868,7 +13868,7 @@
           <a:p>
             <a:fld id="{C238C0FF-0819-EC43-9CF4-E149C4586611}" type="datetimeFigureOut">
               <a:rPr lang="en-US" smtClean="0"/>
-              <a:t>2/3/21</a:t>
+              <a:t>2/24/21</a:t>
             </a:fld>
             <a:endParaRPr lang="en-US"/>
           </a:p>
@@ -13981,7 +13981,7 @@
           <a:p>
             <a:fld id="{C238C0FF-0819-EC43-9CF4-E149C4586611}" type="datetimeFigureOut">
               <a:rPr lang="en-US" smtClean="0"/>
-              <a:t>2/3/21</a:t>
+              <a:t>2/24/21</a:t>
             </a:fld>
             <a:endParaRPr lang="en-US"/>
           </a:p>
@@ -14292,7 +14292,7 @@
           <a:p>
             <a:fld id="{C238C0FF-0819-EC43-9CF4-E149C4586611}" type="datetimeFigureOut">
               <a:rPr lang="en-US" smtClean="0"/>
-              <a:t>2/3/21</a:t>
+              <a:t>2/24/21</a:t>
             </a:fld>
             <a:endParaRPr lang="en-US"/>
           </a:p>
@@ -14580,7 +14580,7 @@
           <a:p>
             <a:fld id="{C238C0FF-0819-EC43-9CF4-E149C4586611}" type="datetimeFigureOut">
               <a:rPr lang="en-US" smtClean="0"/>
-              <a:t>2/3/21</a:t>
+              <a:t>2/24/21</a:t>
             </a:fld>
             <a:endParaRPr lang="en-US"/>
           </a:p>
@@ -14821,7 +14821,7 @@
           <a:p>
             <a:fld id="{C238C0FF-0819-EC43-9CF4-E149C4586611}" type="datetimeFigureOut">
               <a:rPr lang="en-US" smtClean="0"/>
-              <a:t>2/3/21</a:t>
+              <a:t>2/24/21</a:t>
             </a:fld>
             <a:endParaRPr lang="en-US"/>
           </a:p>
@@ -15490,11 +15490,12 @@
               <a:rPr lang="en-US" sz="2000"/>
               <a:t>Spring 2021</a:t>
             </a:r>
+            <a:endParaRPr lang="en-US" sz="2000" dirty="0"/>
           </a:p>
           <a:p>
             <a:pPr algn="l"/>
             <a:r>
-              <a:rPr lang="en-US" sz="2000"/>
+              <a:rPr lang="en-US" sz="2000" dirty="0"/>
               <a:t>Jay W.</a:t>
             </a:r>
           </a:p>
